--- a/Evaluations/CCF.pptx
+++ b/Evaluations/CCF.pptx
@@ -207,7 +207,7 @@
           <a:p>
             <a:fld id="{175ECC00-C06A-4323-852F-768318D8586A}" type="datetimeFigureOut">
               <a:rPr lang="fr-FR" smtClean="0"/>
-              <a:t>09/02/2025</a:t>
+              <a:t>05/05/2025</a:t>
             </a:fld>
             <a:endParaRPr lang="fr-FR"/>
           </a:p>
@@ -372,7 +372,7 @@
           <a:p>
             <a:fld id="{AE8DAB01-C85E-4F33-91A5-B6D112914A5D}" type="datetimeFigureOut">
               <a:rPr lang="fr-FR" smtClean="0"/>
-              <a:t>09/02/2025</a:t>
+              <a:t>05/05/2025</a:t>
             </a:fld>
             <a:endParaRPr lang="fr-FR"/>
           </a:p>
@@ -771,7 +771,7 @@
           <a:p>
             <a:fld id="{A69F3118-5675-4AEB-B17B-1E109ACFC119}" type="datetimeFigureOut">
               <a:rPr lang="fr-FR" smtClean="0"/>
-              <a:t>09/02/2025</a:t>
+              <a:t>05/05/2025</a:t>
             </a:fld>
             <a:endParaRPr lang="fr-FR"/>
           </a:p>
@@ -941,7 +941,7 @@
           <a:p>
             <a:fld id="{A69F3118-5675-4AEB-B17B-1E109ACFC119}" type="datetimeFigureOut">
               <a:rPr lang="fr-FR" smtClean="0"/>
-              <a:t>09/02/2025</a:t>
+              <a:t>05/05/2025</a:t>
             </a:fld>
             <a:endParaRPr lang="fr-FR"/>
           </a:p>
@@ -1121,7 +1121,7 @@
           <a:p>
             <a:fld id="{A69F3118-5675-4AEB-B17B-1E109ACFC119}" type="datetimeFigureOut">
               <a:rPr lang="fr-FR" smtClean="0"/>
-              <a:t>09/02/2025</a:t>
+              <a:t>05/05/2025</a:t>
             </a:fld>
             <a:endParaRPr lang="fr-FR"/>
           </a:p>
@@ -1291,7 +1291,7 @@
           <a:p>
             <a:fld id="{A69F3118-5675-4AEB-B17B-1E109ACFC119}" type="datetimeFigureOut">
               <a:rPr lang="fr-FR" smtClean="0"/>
-              <a:t>09/02/2025</a:t>
+              <a:t>05/05/2025</a:t>
             </a:fld>
             <a:endParaRPr lang="fr-FR"/>
           </a:p>
@@ -1535,7 +1535,7 @@
           <a:p>
             <a:fld id="{A69F3118-5675-4AEB-B17B-1E109ACFC119}" type="datetimeFigureOut">
               <a:rPr lang="fr-FR" smtClean="0"/>
-              <a:t>09/02/2025</a:t>
+              <a:t>05/05/2025</a:t>
             </a:fld>
             <a:endParaRPr lang="fr-FR"/>
           </a:p>
@@ -1767,7 +1767,7 @@
           <a:p>
             <a:fld id="{A69F3118-5675-4AEB-B17B-1E109ACFC119}" type="datetimeFigureOut">
               <a:rPr lang="fr-FR" smtClean="0"/>
-              <a:t>09/02/2025</a:t>
+              <a:t>05/05/2025</a:t>
             </a:fld>
             <a:endParaRPr lang="fr-FR"/>
           </a:p>
@@ -2134,7 +2134,7 @@
           <a:p>
             <a:fld id="{A69F3118-5675-4AEB-B17B-1E109ACFC119}" type="datetimeFigureOut">
               <a:rPr lang="fr-FR" smtClean="0"/>
-              <a:t>09/02/2025</a:t>
+              <a:t>05/05/2025</a:t>
             </a:fld>
             <a:endParaRPr lang="fr-FR"/>
           </a:p>
@@ -2252,7 +2252,7 @@
           <a:p>
             <a:fld id="{A69F3118-5675-4AEB-B17B-1E109ACFC119}" type="datetimeFigureOut">
               <a:rPr lang="fr-FR" smtClean="0"/>
-              <a:t>09/02/2025</a:t>
+              <a:t>05/05/2025</a:t>
             </a:fld>
             <a:endParaRPr lang="fr-FR"/>
           </a:p>
@@ -2347,7 +2347,7 @@
           <a:p>
             <a:fld id="{A69F3118-5675-4AEB-B17B-1E109ACFC119}" type="datetimeFigureOut">
               <a:rPr lang="fr-FR" smtClean="0"/>
-              <a:t>09/02/2025</a:t>
+              <a:t>05/05/2025</a:t>
             </a:fld>
             <a:endParaRPr lang="fr-FR"/>
           </a:p>
@@ -2624,7 +2624,7 @@
           <a:p>
             <a:fld id="{A69F3118-5675-4AEB-B17B-1E109ACFC119}" type="datetimeFigureOut">
               <a:rPr lang="fr-FR" smtClean="0"/>
-              <a:t>09/02/2025</a:t>
+              <a:t>05/05/2025</a:t>
             </a:fld>
             <a:endParaRPr lang="fr-FR"/>
           </a:p>
@@ -2881,7 +2881,7 @@
           <a:p>
             <a:fld id="{A69F3118-5675-4AEB-B17B-1E109ACFC119}" type="datetimeFigureOut">
               <a:rPr lang="fr-FR" smtClean="0"/>
-              <a:t>09/02/2025</a:t>
+              <a:t>05/05/2025</a:t>
             </a:fld>
             <a:endParaRPr lang="fr-FR"/>
           </a:p>
@@ -3094,7 +3094,7 @@
           <a:p>
             <a:fld id="{A69F3118-5675-4AEB-B17B-1E109ACFC119}" type="datetimeFigureOut">
               <a:rPr lang="fr-FR" smtClean="0"/>
-              <a:t>09/02/2025</a:t>
+              <a:t>05/05/2025</a:t>
             </a:fld>
             <a:endParaRPr lang="fr-FR"/>
           </a:p>
@@ -9016,14 +9016,14 @@
           <p:nvPr>
             <p:extLst>
               <p:ext uri="{D42A27DB-BD31-4B8C-83A1-F6EECF244321}">
-                <p14:modId xmlns:p14="http://schemas.microsoft.com/office/powerpoint/2010/main" val="1505441251"/>
+                <p14:modId xmlns:p14="http://schemas.microsoft.com/office/powerpoint/2010/main" val="594800331"/>
               </p:ext>
             </p:extLst>
           </p:nvPr>
         </p:nvGraphicFramePr>
         <p:xfrm>
-          <a:off x="4039556" y="944558"/>
-          <a:ext cx="6980869" cy="9675322"/>
+          <a:off x="4039556" y="944559"/>
+          <a:ext cx="7040234" cy="9678118"/>
         </p:xfrm>
         <a:graphic>
           <a:graphicData uri="http://schemas.openxmlformats.org/drawingml/2006/table">
@@ -9032,42 +9032,42 @@
                 <a:tableStyleId>{5940675A-B579-460E-94D1-54222C63F5DA}</a:tableStyleId>
               </a:tblPr>
               <a:tblGrid>
-                <a:gridCol w="2253173">
+                <a:gridCol w="1818319">
                   <a:extLst>
                     <a:ext uri="{9D8B030D-6E8A-4147-A177-3AD203B41FA5}">
                       <a16:colId xmlns:a16="http://schemas.microsoft.com/office/drawing/2014/main" val="2787692130"/>
                     </a:ext>
                   </a:extLst>
                 </a:gridCol>
-                <a:gridCol w="957412">
+                <a:gridCol w="1044383">
                   <a:extLst>
                     <a:ext uri="{9D8B030D-6E8A-4147-A177-3AD203B41FA5}">
                       <a16:colId xmlns:a16="http://schemas.microsoft.com/office/drawing/2014/main" val="607649727"/>
                     </a:ext>
                   </a:extLst>
                 </a:gridCol>
-                <a:gridCol w="957412">
+                <a:gridCol w="1044383">
                   <a:extLst>
                     <a:ext uri="{9D8B030D-6E8A-4147-A177-3AD203B41FA5}">
                       <a16:colId xmlns:a16="http://schemas.microsoft.com/office/drawing/2014/main" val="2879588787"/>
                     </a:ext>
                   </a:extLst>
                 </a:gridCol>
-                <a:gridCol w="957412">
+                <a:gridCol w="1044383">
                   <a:extLst>
                     <a:ext uri="{9D8B030D-6E8A-4147-A177-3AD203B41FA5}">
                       <a16:colId xmlns:a16="http://schemas.microsoft.com/office/drawing/2014/main" val="963493659"/>
                     </a:ext>
                   </a:extLst>
                 </a:gridCol>
-                <a:gridCol w="957412">
+                <a:gridCol w="1044383">
                   <a:extLst>
                     <a:ext uri="{9D8B030D-6E8A-4147-A177-3AD203B41FA5}">
                       <a16:colId xmlns:a16="http://schemas.microsoft.com/office/drawing/2014/main" val="283199609"/>
                     </a:ext>
                   </a:extLst>
                 </a:gridCol>
-                <a:gridCol w="898048">
+                <a:gridCol w="1044383">
                   <a:extLst>
                     <a:ext uri="{9D8B030D-6E8A-4147-A177-3AD203B41FA5}">
                       <a16:colId xmlns:a16="http://schemas.microsoft.com/office/drawing/2014/main" val="3524401581"/>
@@ -9075,7 +9075,7 @@
                   </a:extLst>
                 </a:gridCol>
               </a:tblGrid>
-              <a:tr h="1371600">
+              <a:tr h="1210005">
                 <a:tc>
                   <a:txBody>
                     <a:bodyPr/>
@@ -9218,7 +9218,7 @@
                   </a:ext>
                 </a:extLst>
               </a:tr>
-              <a:tr h="1186246">
+              <a:tr h="1210005">
                 <a:tc>
                   <a:txBody>
                     <a:bodyPr/>
@@ -9342,7 +9342,7 @@
                   </a:ext>
                 </a:extLst>
               </a:tr>
-              <a:tr h="1186246">
+              <a:tr h="1210005">
                 <a:tc>
                   <a:txBody>
                     <a:bodyPr/>
@@ -9459,7 +9459,9 @@
                     </a:p>
                   </a:txBody>
                   <a:tcPr anchor="ctr">
-                    <a:noFill/>
+                    <a:solidFill>
+                      <a:schemeClr val="bg1"/>
+                    </a:solidFill>
                   </a:tcPr>
                 </a:tc>
                 <a:extLst>
@@ -9468,7 +9470,7 @@
                   </a:ext>
                 </a:extLst>
               </a:tr>
-              <a:tr h="1186246">
+              <a:tr h="1210005">
                 <a:tc>
                   <a:txBody>
                     <a:bodyPr/>
@@ -9591,7 +9593,7 @@
                   </a:ext>
                 </a:extLst>
               </a:tr>
-              <a:tr h="1186246">
+              <a:tr h="1368804">
                 <a:tc>
                   <a:txBody>
                     <a:bodyPr/>
@@ -9676,7 +9678,11 @@
                       </a:r>
                     </a:p>
                   </a:txBody>
-                  <a:tcPr anchor="ctr"/>
+                  <a:tcPr anchor="ctr">
+                    <a:solidFill>
+                      <a:schemeClr val="bg1"/>
+                    </a:solidFill>
+                  </a:tcPr>
                 </a:tc>
                 <a:extLst>
                   <a:ext uri="{0D108BD9-81ED-4DB2-BD59-A6C34878D82A}">
@@ -9684,7 +9690,7 @@
                   </a:ext>
                 </a:extLst>
               </a:tr>
-              <a:tr h="1186246">
+              <a:tr h="1210005">
                 <a:tc>
                   <a:txBody>
                     <a:bodyPr/>
@@ -9776,7 +9782,11 @@
                       </a:r>
                     </a:p>
                   </a:txBody>
-                  <a:tcPr anchor="ctr"/>
+                  <a:tcPr anchor="ctr">
+                    <a:solidFill>
+                      <a:schemeClr val="bg1"/>
+                    </a:solidFill>
+                  </a:tcPr>
                 </a:tc>
                 <a:extLst>
                   <a:ext uri="{0D108BD9-81ED-4DB2-BD59-A6C34878D82A}">
@@ -9784,7 +9794,7 @@
                   </a:ext>
                 </a:extLst>
               </a:tr>
-              <a:tr h="1186246">
+              <a:tr h="1210005">
                 <a:tc>
                   <a:txBody>
                     <a:bodyPr/>
@@ -9893,7 +9903,11 @@
                       </a:r>
                     </a:p>
                   </a:txBody>
-                  <a:tcPr anchor="ctr"/>
+                  <a:tcPr anchor="ctr">
+                    <a:solidFill>
+                      <a:schemeClr val="bg1"/>
+                    </a:solidFill>
+                  </a:tcPr>
                 </a:tc>
                 <a:extLst>
                   <a:ext uri="{0D108BD9-81ED-4DB2-BD59-A6C34878D82A}">
@@ -9901,7 +9915,7 @@
                   </a:ext>
                 </a:extLst>
               </a:tr>
-              <a:tr h="1186246">
+              <a:tr h="1046488">
                 <a:tc>
                   <a:txBody>
                     <a:bodyPr/>
